--- a/Presentations/Framework.pptx
+++ b/Presentations/Framework.pptx
@@ -10,6 +10,7 @@
     <p:sldId id="257" r:id="rId4"/>
     <p:sldId id="259" r:id="rId5"/>
     <p:sldId id="258" r:id="rId6"/>
+    <p:sldId id="261" r:id="rId7"/>
   </p:sldIdLst>
   <p:sldSz cx="12192000" cy="6858000"/>
   <p:notesSz cx="6858000" cy="9144000"/>
@@ -158,10 +159,9 @@
           </a:lstStyle>
           <a:p>
             <a:r>
-              <a:rPr lang="en-US" smtClean="0"/>
+              <a:rPr lang="en-US"/>
               <a:t>Click to edit Master title style</a:t>
             </a:r>
-            <a:endParaRPr lang="en-US"/>
           </a:p>
         </p:txBody>
       </p:sp>
@@ -223,10 +223,9 @@
           </a:lstStyle>
           <a:p>
             <a:r>
-              <a:rPr lang="en-US" smtClean="0"/>
+              <a:rPr lang="en-US"/>
               <a:t>Click to edit Master subtitle style</a:t>
             </a:r>
-            <a:endParaRPr lang="en-US"/>
           </a:p>
         </p:txBody>
       </p:sp>
@@ -247,7 +246,7 @@
           <a:p>
             <a:fld id="{29D7E8B5-BBBA-45C7-A8C1-0F8F45B3EEED}" type="datetimeFigureOut">
               <a:rPr lang="en-US" smtClean="0"/>
-              <a:t>2/12/2021</a:t>
+              <a:t>3/5/21</a:t>
             </a:fld>
             <a:endParaRPr lang="en-US"/>
           </a:p>
@@ -341,10 +340,9 @@
           <a:lstStyle/>
           <a:p>
             <a:r>
-              <a:rPr lang="en-US" smtClean="0"/>
+              <a:rPr lang="en-US"/>
               <a:t>Click to edit Master title style</a:t>
             </a:r>
-            <a:endParaRPr lang="en-US"/>
           </a:p>
         </p:txBody>
       </p:sp>
@@ -365,38 +363,37 @@
           <a:p>
             <a:pPr lvl="0"/>
             <a:r>
-              <a:rPr lang="en-US" smtClean="0"/>
+              <a:rPr lang="en-US"/>
               <a:t>Edit Master text styles</a:t>
             </a:r>
           </a:p>
           <a:p>
             <a:pPr lvl="1"/>
             <a:r>
-              <a:rPr lang="en-US" smtClean="0"/>
+              <a:rPr lang="en-US"/>
               <a:t>Second level</a:t>
             </a:r>
           </a:p>
           <a:p>
             <a:pPr lvl="2"/>
             <a:r>
-              <a:rPr lang="en-US" smtClean="0"/>
+              <a:rPr lang="en-US"/>
               <a:t>Third level</a:t>
             </a:r>
           </a:p>
           <a:p>
             <a:pPr lvl="3"/>
             <a:r>
-              <a:rPr lang="en-US" smtClean="0"/>
+              <a:rPr lang="en-US"/>
               <a:t>Fourth level</a:t>
             </a:r>
           </a:p>
           <a:p>
             <a:pPr lvl="4"/>
             <a:r>
-              <a:rPr lang="en-US" smtClean="0"/>
+              <a:rPr lang="en-US"/>
               <a:t>Fifth level</a:t>
             </a:r>
-            <a:endParaRPr lang="en-US"/>
           </a:p>
         </p:txBody>
       </p:sp>
@@ -417,7 +414,7 @@
           <a:p>
             <a:fld id="{29D7E8B5-BBBA-45C7-A8C1-0F8F45B3EEED}" type="datetimeFigureOut">
               <a:rPr lang="en-US" smtClean="0"/>
-              <a:t>2/12/2021</a:t>
+              <a:t>3/5/21</a:t>
             </a:fld>
             <a:endParaRPr lang="en-US"/>
           </a:p>
@@ -516,10 +513,9 @@
           <a:lstStyle/>
           <a:p>
             <a:r>
-              <a:rPr lang="en-US" smtClean="0"/>
+              <a:rPr lang="en-US"/>
               <a:t>Click to edit Master title style</a:t>
             </a:r>
-            <a:endParaRPr lang="en-US"/>
           </a:p>
         </p:txBody>
       </p:sp>
@@ -545,38 +541,37 @@
           <a:p>
             <a:pPr lvl="0"/>
             <a:r>
-              <a:rPr lang="en-US" smtClean="0"/>
+              <a:rPr lang="en-US"/>
               <a:t>Edit Master text styles</a:t>
             </a:r>
           </a:p>
           <a:p>
             <a:pPr lvl="1"/>
             <a:r>
-              <a:rPr lang="en-US" smtClean="0"/>
+              <a:rPr lang="en-US"/>
               <a:t>Second level</a:t>
             </a:r>
           </a:p>
           <a:p>
             <a:pPr lvl="2"/>
             <a:r>
-              <a:rPr lang="en-US" smtClean="0"/>
+              <a:rPr lang="en-US"/>
               <a:t>Third level</a:t>
             </a:r>
           </a:p>
           <a:p>
             <a:pPr lvl="3"/>
             <a:r>
-              <a:rPr lang="en-US" smtClean="0"/>
+              <a:rPr lang="en-US"/>
               <a:t>Fourth level</a:t>
             </a:r>
           </a:p>
           <a:p>
             <a:pPr lvl="4"/>
             <a:r>
-              <a:rPr lang="en-US" smtClean="0"/>
+              <a:rPr lang="en-US"/>
               <a:t>Fifth level</a:t>
             </a:r>
-            <a:endParaRPr lang="en-US"/>
           </a:p>
         </p:txBody>
       </p:sp>
@@ -597,7 +592,7 @@
           <a:p>
             <a:fld id="{29D7E8B5-BBBA-45C7-A8C1-0F8F45B3EEED}" type="datetimeFigureOut">
               <a:rPr lang="en-US" smtClean="0"/>
-              <a:t>2/12/2021</a:t>
+              <a:t>3/5/21</a:t>
             </a:fld>
             <a:endParaRPr lang="en-US"/>
           </a:p>
@@ -691,10 +686,9 @@
           <a:lstStyle/>
           <a:p>
             <a:r>
-              <a:rPr lang="en-US" smtClean="0"/>
+              <a:rPr lang="en-US"/>
               <a:t>Click to edit Master title style</a:t>
             </a:r>
-            <a:endParaRPr lang="en-US"/>
           </a:p>
         </p:txBody>
       </p:sp>
@@ -715,38 +709,37 @@
           <a:p>
             <a:pPr lvl="0"/>
             <a:r>
-              <a:rPr lang="en-US" smtClean="0"/>
+              <a:rPr lang="en-US"/>
               <a:t>Edit Master text styles</a:t>
             </a:r>
           </a:p>
           <a:p>
             <a:pPr lvl="1"/>
             <a:r>
-              <a:rPr lang="en-US" smtClean="0"/>
+              <a:rPr lang="en-US"/>
               <a:t>Second level</a:t>
             </a:r>
           </a:p>
           <a:p>
             <a:pPr lvl="2"/>
             <a:r>
-              <a:rPr lang="en-US" smtClean="0"/>
+              <a:rPr lang="en-US"/>
               <a:t>Third level</a:t>
             </a:r>
           </a:p>
           <a:p>
             <a:pPr lvl="3"/>
             <a:r>
-              <a:rPr lang="en-US" smtClean="0"/>
+              <a:rPr lang="en-US"/>
               <a:t>Fourth level</a:t>
             </a:r>
           </a:p>
           <a:p>
             <a:pPr lvl="4"/>
             <a:r>
-              <a:rPr lang="en-US" smtClean="0"/>
+              <a:rPr lang="en-US"/>
               <a:t>Fifth level</a:t>
             </a:r>
-            <a:endParaRPr lang="en-US"/>
           </a:p>
         </p:txBody>
       </p:sp>
@@ -767,7 +760,7 @@
           <a:p>
             <a:fld id="{29D7E8B5-BBBA-45C7-A8C1-0F8F45B3EEED}" type="datetimeFigureOut">
               <a:rPr lang="en-US" smtClean="0"/>
-              <a:t>2/12/2021</a:t>
+              <a:t>3/5/21</a:t>
             </a:fld>
             <a:endParaRPr lang="en-US"/>
           </a:p>
@@ -870,10 +863,9 @@
           </a:lstStyle>
           <a:p>
             <a:r>
-              <a:rPr lang="en-US" smtClean="0"/>
+              <a:rPr lang="en-US"/>
               <a:t>Click to edit Master title style</a:t>
             </a:r>
-            <a:endParaRPr lang="en-US"/>
           </a:p>
         </p:txBody>
       </p:sp>
@@ -990,7 +982,7 @@
           <a:p>
             <a:pPr lvl="0"/>
             <a:r>
-              <a:rPr lang="en-US" smtClean="0"/>
+              <a:rPr lang="en-US"/>
               <a:t>Edit Master text styles</a:t>
             </a:r>
           </a:p>
@@ -1013,7 +1005,7 @@
           <a:p>
             <a:fld id="{29D7E8B5-BBBA-45C7-A8C1-0F8F45B3EEED}" type="datetimeFigureOut">
               <a:rPr lang="en-US" smtClean="0"/>
-              <a:t>2/12/2021</a:t>
+              <a:t>3/5/21</a:t>
             </a:fld>
             <a:endParaRPr lang="en-US"/>
           </a:p>
@@ -1107,10 +1099,9 @@
           <a:lstStyle/>
           <a:p>
             <a:r>
-              <a:rPr lang="en-US" smtClean="0"/>
+              <a:rPr lang="en-US"/>
               <a:t>Click to edit Master title style</a:t>
             </a:r>
-            <a:endParaRPr lang="en-US"/>
           </a:p>
         </p:txBody>
       </p:sp>
@@ -1136,38 +1127,37 @@
           <a:p>
             <a:pPr lvl="0"/>
             <a:r>
-              <a:rPr lang="en-US" smtClean="0"/>
+              <a:rPr lang="en-US"/>
               <a:t>Edit Master text styles</a:t>
             </a:r>
           </a:p>
           <a:p>
             <a:pPr lvl="1"/>
             <a:r>
-              <a:rPr lang="en-US" smtClean="0"/>
+              <a:rPr lang="en-US"/>
               <a:t>Second level</a:t>
             </a:r>
           </a:p>
           <a:p>
             <a:pPr lvl="2"/>
             <a:r>
-              <a:rPr lang="en-US" smtClean="0"/>
+              <a:rPr lang="en-US"/>
               <a:t>Third level</a:t>
             </a:r>
           </a:p>
           <a:p>
             <a:pPr lvl="3"/>
             <a:r>
-              <a:rPr lang="en-US" smtClean="0"/>
+              <a:rPr lang="en-US"/>
               <a:t>Fourth level</a:t>
             </a:r>
           </a:p>
           <a:p>
             <a:pPr lvl="4"/>
             <a:r>
-              <a:rPr lang="en-US" smtClean="0"/>
+              <a:rPr lang="en-US"/>
               <a:t>Fifth level</a:t>
             </a:r>
-            <a:endParaRPr lang="en-US"/>
           </a:p>
         </p:txBody>
       </p:sp>
@@ -1193,38 +1183,37 @@
           <a:p>
             <a:pPr lvl="0"/>
             <a:r>
-              <a:rPr lang="en-US" smtClean="0"/>
+              <a:rPr lang="en-US"/>
               <a:t>Edit Master text styles</a:t>
             </a:r>
           </a:p>
           <a:p>
             <a:pPr lvl="1"/>
             <a:r>
-              <a:rPr lang="en-US" smtClean="0"/>
+              <a:rPr lang="en-US"/>
               <a:t>Second level</a:t>
             </a:r>
           </a:p>
           <a:p>
             <a:pPr lvl="2"/>
             <a:r>
-              <a:rPr lang="en-US" smtClean="0"/>
+              <a:rPr lang="en-US"/>
               <a:t>Third level</a:t>
             </a:r>
           </a:p>
           <a:p>
             <a:pPr lvl="3"/>
             <a:r>
-              <a:rPr lang="en-US" smtClean="0"/>
+              <a:rPr lang="en-US"/>
               <a:t>Fourth level</a:t>
             </a:r>
           </a:p>
           <a:p>
             <a:pPr lvl="4"/>
             <a:r>
-              <a:rPr lang="en-US" smtClean="0"/>
+              <a:rPr lang="en-US"/>
               <a:t>Fifth level</a:t>
             </a:r>
-            <a:endParaRPr lang="en-US"/>
           </a:p>
         </p:txBody>
       </p:sp>
@@ -1245,7 +1234,7 @@
           <a:p>
             <a:fld id="{29D7E8B5-BBBA-45C7-A8C1-0F8F45B3EEED}" type="datetimeFigureOut">
               <a:rPr lang="en-US" smtClean="0"/>
-              <a:t>2/12/2021</a:t>
+              <a:t>3/5/21</a:t>
             </a:fld>
             <a:endParaRPr lang="en-US"/>
           </a:p>
@@ -1344,10 +1333,9 @@
           <a:lstStyle/>
           <a:p>
             <a:r>
-              <a:rPr lang="en-US" smtClean="0"/>
+              <a:rPr lang="en-US"/>
               <a:t>Click to edit Master title style</a:t>
             </a:r>
-            <a:endParaRPr lang="en-US"/>
           </a:p>
         </p:txBody>
       </p:sp>
@@ -1410,7 +1398,7 @@
           <a:p>
             <a:pPr lvl="0"/>
             <a:r>
-              <a:rPr lang="en-US" smtClean="0"/>
+              <a:rPr lang="en-US"/>
               <a:t>Edit Master text styles</a:t>
             </a:r>
           </a:p>
@@ -1438,38 +1426,37 @@
           <a:p>
             <a:pPr lvl="0"/>
             <a:r>
-              <a:rPr lang="en-US" smtClean="0"/>
+              <a:rPr lang="en-US"/>
               <a:t>Edit Master text styles</a:t>
             </a:r>
           </a:p>
           <a:p>
             <a:pPr lvl="1"/>
             <a:r>
-              <a:rPr lang="en-US" smtClean="0"/>
+              <a:rPr lang="en-US"/>
               <a:t>Second level</a:t>
             </a:r>
           </a:p>
           <a:p>
             <a:pPr lvl="2"/>
             <a:r>
-              <a:rPr lang="en-US" smtClean="0"/>
+              <a:rPr lang="en-US"/>
               <a:t>Third level</a:t>
             </a:r>
           </a:p>
           <a:p>
             <a:pPr lvl="3"/>
             <a:r>
-              <a:rPr lang="en-US" smtClean="0"/>
+              <a:rPr lang="en-US"/>
               <a:t>Fourth level</a:t>
             </a:r>
           </a:p>
           <a:p>
             <a:pPr lvl="4"/>
             <a:r>
-              <a:rPr lang="en-US" smtClean="0"/>
+              <a:rPr lang="en-US"/>
               <a:t>Fifth level</a:t>
             </a:r>
-            <a:endParaRPr lang="en-US"/>
           </a:p>
         </p:txBody>
       </p:sp>
@@ -1532,7 +1519,7 @@
           <a:p>
             <a:pPr lvl="0"/>
             <a:r>
-              <a:rPr lang="en-US" smtClean="0"/>
+              <a:rPr lang="en-US"/>
               <a:t>Edit Master text styles</a:t>
             </a:r>
           </a:p>
@@ -1560,38 +1547,37 @@
           <a:p>
             <a:pPr lvl="0"/>
             <a:r>
-              <a:rPr lang="en-US" smtClean="0"/>
+              <a:rPr lang="en-US"/>
               <a:t>Edit Master text styles</a:t>
             </a:r>
           </a:p>
           <a:p>
             <a:pPr lvl="1"/>
             <a:r>
-              <a:rPr lang="en-US" smtClean="0"/>
+              <a:rPr lang="en-US"/>
               <a:t>Second level</a:t>
             </a:r>
           </a:p>
           <a:p>
             <a:pPr lvl="2"/>
             <a:r>
-              <a:rPr lang="en-US" smtClean="0"/>
+              <a:rPr lang="en-US"/>
               <a:t>Third level</a:t>
             </a:r>
           </a:p>
           <a:p>
             <a:pPr lvl="3"/>
             <a:r>
-              <a:rPr lang="en-US" smtClean="0"/>
+              <a:rPr lang="en-US"/>
               <a:t>Fourth level</a:t>
             </a:r>
           </a:p>
           <a:p>
             <a:pPr lvl="4"/>
             <a:r>
-              <a:rPr lang="en-US" smtClean="0"/>
+              <a:rPr lang="en-US"/>
               <a:t>Fifth level</a:t>
             </a:r>
-            <a:endParaRPr lang="en-US"/>
           </a:p>
         </p:txBody>
       </p:sp>
@@ -1612,7 +1598,7 @@
           <a:p>
             <a:fld id="{29D7E8B5-BBBA-45C7-A8C1-0F8F45B3EEED}" type="datetimeFigureOut">
               <a:rPr lang="en-US" smtClean="0"/>
-              <a:t>2/12/2021</a:t>
+              <a:t>3/5/21</a:t>
             </a:fld>
             <a:endParaRPr lang="en-US"/>
           </a:p>
@@ -1706,10 +1692,9 @@
           <a:lstStyle/>
           <a:p>
             <a:r>
-              <a:rPr lang="en-US" smtClean="0"/>
+              <a:rPr lang="en-US"/>
               <a:t>Click to edit Master title style</a:t>
             </a:r>
-            <a:endParaRPr lang="en-US"/>
           </a:p>
         </p:txBody>
       </p:sp>
@@ -1730,7 +1715,7 @@
           <a:p>
             <a:fld id="{29D7E8B5-BBBA-45C7-A8C1-0F8F45B3EEED}" type="datetimeFigureOut">
               <a:rPr lang="en-US" smtClean="0"/>
-              <a:t>2/12/2021</a:t>
+              <a:t>3/5/21</a:t>
             </a:fld>
             <a:endParaRPr lang="en-US"/>
           </a:p>
@@ -1825,7 +1810,7 @@
           <a:p>
             <a:fld id="{29D7E8B5-BBBA-45C7-A8C1-0F8F45B3EEED}" type="datetimeFigureOut">
               <a:rPr lang="en-US" smtClean="0"/>
-              <a:t>2/12/2021</a:t>
+              <a:t>3/5/21</a:t>
             </a:fld>
             <a:endParaRPr lang="en-US"/>
           </a:p>
@@ -1928,10 +1913,9 @@
           </a:lstStyle>
           <a:p>
             <a:r>
-              <a:rPr lang="en-US" smtClean="0"/>
+              <a:rPr lang="en-US"/>
               <a:t>Click to edit Master title style</a:t>
             </a:r>
-            <a:endParaRPr lang="en-US"/>
           </a:p>
         </p:txBody>
       </p:sp>
@@ -1985,38 +1969,37 @@
           <a:p>
             <a:pPr lvl="0"/>
             <a:r>
-              <a:rPr lang="en-US" smtClean="0"/>
+              <a:rPr lang="en-US"/>
               <a:t>Edit Master text styles</a:t>
             </a:r>
           </a:p>
           <a:p>
             <a:pPr lvl="1"/>
             <a:r>
-              <a:rPr lang="en-US" smtClean="0"/>
+              <a:rPr lang="en-US"/>
               <a:t>Second level</a:t>
             </a:r>
           </a:p>
           <a:p>
             <a:pPr lvl="2"/>
             <a:r>
-              <a:rPr lang="en-US" smtClean="0"/>
+              <a:rPr lang="en-US"/>
               <a:t>Third level</a:t>
             </a:r>
           </a:p>
           <a:p>
             <a:pPr lvl="3"/>
             <a:r>
-              <a:rPr lang="en-US" smtClean="0"/>
+              <a:rPr lang="en-US"/>
               <a:t>Fourth level</a:t>
             </a:r>
           </a:p>
           <a:p>
             <a:pPr lvl="4"/>
             <a:r>
-              <a:rPr lang="en-US" smtClean="0"/>
+              <a:rPr lang="en-US"/>
               <a:t>Fifth level</a:t>
             </a:r>
-            <a:endParaRPr lang="en-US"/>
           </a:p>
         </p:txBody>
       </p:sp>
@@ -2079,7 +2062,7 @@
           <a:p>
             <a:pPr lvl="0"/>
             <a:r>
-              <a:rPr lang="en-US" smtClean="0"/>
+              <a:rPr lang="en-US"/>
               <a:t>Edit Master text styles</a:t>
             </a:r>
           </a:p>
@@ -2102,7 +2085,7 @@
           <a:p>
             <a:fld id="{29D7E8B5-BBBA-45C7-A8C1-0F8F45B3EEED}" type="datetimeFigureOut">
               <a:rPr lang="en-US" smtClean="0"/>
-              <a:t>2/12/2021</a:t>
+              <a:t>3/5/21</a:t>
             </a:fld>
             <a:endParaRPr lang="en-US"/>
           </a:p>
@@ -2205,10 +2188,9 @@
           </a:lstStyle>
           <a:p>
             <a:r>
-              <a:rPr lang="en-US" smtClean="0"/>
+              <a:rPr lang="en-US"/>
               <a:t>Click to edit Master title style</a:t>
             </a:r>
-            <a:endParaRPr lang="en-US"/>
           </a:p>
         </p:txBody>
       </p:sp>
@@ -2332,7 +2314,7 @@
           <a:p>
             <a:pPr lvl="0"/>
             <a:r>
-              <a:rPr lang="en-US" smtClean="0"/>
+              <a:rPr lang="en-US"/>
               <a:t>Edit Master text styles</a:t>
             </a:r>
           </a:p>
@@ -2355,7 +2337,7 @@
           <a:p>
             <a:fld id="{29D7E8B5-BBBA-45C7-A8C1-0F8F45B3EEED}" type="datetimeFigureOut">
               <a:rPr lang="en-US" smtClean="0"/>
-              <a:t>2/12/2021</a:t>
+              <a:t>3/5/21</a:t>
             </a:fld>
             <a:endParaRPr lang="en-US"/>
           </a:p>
@@ -2464,10 +2446,9 @@
           <a:lstStyle/>
           <a:p>
             <a:r>
-              <a:rPr lang="en-US" smtClean="0"/>
+              <a:rPr lang="en-US"/>
               <a:t>Click to edit Master title style</a:t>
             </a:r>
-            <a:endParaRPr lang="en-US"/>
           </a:p>
         </p:txBody>
       </p:sp>
@@ -2498,38 +2479,37 @@
           <a:p>
             <a:pPr lvl="0"/>
             <a:r>
-              <a:rPr lang="en-US" smtClean="0"/>
+              <a:rPr lang="en-US"/>
               <a:t>Edit Master text styles</a:t>
             </a:r>
           </a:p>
           <a:p>
             <a:pPr lvl="1"/>
             <a:r>
-              <a:rPr lang="en-US" smtClean="0"/>
+              <a:rPr lang="en-US"/>
               <a:t>Second level</a:t>
             </a:r>
           </a:p>
           <a:p>
             <a:pPr lvl="2"/>
             <a:r>
-              <a:rPr lang="en-US" smtClean="0"/>
+              <a:rPr lang="en-US"/>
               <a:t>Third level</a:t>
             </a:r>
           </a:p>
           <a:p>
             <a:pPr lvl="3"/>
             <a:r>
-              <a:rPr lang="en-US" smtClean="0"/>
+              <a:rPr lang="en-US"/>
               <a:t>Fourth level</a:t>
             </a:r>
           </a:p>
           <a:p>
             <a:pPr lvl="4"/>
             <a:r>
-              <a:rPr lang="en-US" smtClean="0"/>
+              <a:rPr lang="en-US"/>
               <a:t>Fifth level</a:t>
             </a:r>
-            <a:endParaRPr lang="en-US"/>
           </a:p>
         </p:txBody>
       </p:sp>
@@ -2568,7 +2548,7 @@
           <a:p>
             <a:fld id="{29D7E8B5-BBBA-45C7-A8C1-0F8F45B3EEED}" type="datetimeFigureOut">
               <a:rPr lang="en-US" smtClean="0"/>
-              <a:t>2/12/2021</a:t>
+              <a:t>3/5/21</a:t>
             </a:fld>
             <a:endParaRPr lang="en-US"/>
           </a:p>
@@ -3076,104 +3056,104 @@
           <a:lstStyle/>
           <a:p>
             <a:r>
-              <a:rPr lang="en-US" dirty="0" smtClean="0"/>
+              <a:rPr lang="en-US" dirty="0"/>
               <a:t>General Categories </a:t>
             </a:r>
             <a:r>
-              <a:rPr lang="en-US" smtClean="0"/>
+              <a:rPr lang="en-US"/>
               <a:t>of Weaknesses </a:t>
             </a:r>
             <a:r>
-              <a:rPr lang="en-US" dirty="0" smtClean="0"/>
+              <a:rPr lang="en-US" dirty="0"/>
               <a:t>(aspects)</a:t>
             </a:r>
           </a:p>
           <a:p>
             <a:pPr lvl="1"/>
             <a:r>
-              <a:rPr lang="en-US" dirty="0" smtClean="0"/>
+              <a:rPr lang="en-US" dirty="0"/>
               <a:t>Activity flow</a:t>
             </a:r>
           </a:p>
           <a:p>
             <a:pPr lvl="2"/>
             <a:r>
-              <a:rPr lang="en-US" dirty="0" smtClean="0"/>
+              <a:rPr lang="en-US" dirty="0"/>
               <a:t>Infrequent variant (%2)</a:t>
             </a:r>
           </a:p>
           <a:p>
             <a:pPr lvl="2"/>
             <a:r>
-              <a:rPr lang="en-US" dirty="0" err="1" smtClean="0"/>
+              <a:rPr lang="en-US" dirty="0" err="1"/>
               <a:t>Self loop</a:t>
             </a:r>
-            <a:endParaRPr lang="en-US" dirty="0" smtClean="0"/>
+            <a:endParaRPr lang="en-US" dirty="0"/>
           </a:p>
           <a:p>
             <a:pPr lvl="2"/>
             <a:r>
-              <a:rPr lang="en-US" dirty="0" smtClean="0"/>
+              <a:rPr lang="en-US" dirty="0"/>
               <a:t>Loop with specific length (4)</a:t>
             </a:r>
           </a:p>
           <a:p>
             <a:pPr lvl="2"/>
             <a:r>
-              <a:rPr lang="en-US" dirty="0" smtClean="0"/>
+              <a:rPr lang="en-US" dirty="0"/>
               <a:t>Missing the frequent activities (Important act, threshold)</a:t>
             </a:r>
           </a:p>
           <a:p>
             <a:pPr lvl="2"/>
-            <a:endParaRPr lang="en-US" dirty="0" smtClean="0"/>
+            <a:endParaRPr lang="en-US" dirty="0"/>
           </a:p>
           <a:p>
             <a:pPr lvl="1"/>
             <a:r>
-              <a:rPr lang="en-US" dirty="0" smtClean="0"/>
+              <a:rPr lang="en-US" dirty="0"/>
               <a:t>Performance </a:t>
             </a:r>
           </a:p>
           <a:p>
             <a:pPr lvl="2"/>
             <a:r>
-              <a:rPr lang="en-US" dirty="0" smtClean="0"/>
+              <a:rPr lang="en-US" dirty="0"/>
               <a:t>Average case duration (Threshold)</a:t>
             </a:r>
           </a:p>
           <a:p>
             <a:pPr lvl="2"/>
             <a:r>
-              <a:rPr lang="en-US" dirty="0" smtClean="0"/>
+              <a:rPr lang="en-US" dirty="0"/>
               <a:t>Average activity duration </a:t>
             </a:r>
           </a:p>
           <a:p>
             <a:pPr lvl="2"/>
             <a:r>
-              <a:rPr lang="en-US" dirty="0" smtClean="0"/>
+              <a:rPr lang="en-US" dirty="0"/>
               <a:t>Average performance spectrum (</a:t>
             </a:r>
             <a:r>
-              <a:rPr lang="en-US" dirty="0" err="1" smtClean="0"/>
+              <a:rPr lang="en-US" dirty="0" err="1"/>
               <a:t>a,b</a:t>
             </a:r>
             <a:r>
-              <a:rPr lang="en-US" dirty="0" smtClean="0"/>
+              <a:rPr lang="en-US" dirty="0"/>
               <a:t>)</a:t>
             </a:r>
           </a:p>
           <a:p>
             <a:pPr lvl="2"/>
             <a:r>
-              <a:rPr lang="en-US" dirty="0" smtClean="0"/>
+              <a:rPr lang="en-US" dirty="0"/>
               <a:t>Number of cases in a queue for a activity </a:t>
             </a:r>
           </a:p>
           <a:p>
             <a:pPr lvl="2"/>
-            <a:endParaRPr lang="en-US" dirty="0" smtClean="0"/>
+            <a:endParaRPr lang="en-US" dirty="0"/>
           </a:p>
           <a:p>
             <a:pPr marL="457200" lvl="1" indent="0">
@@ -3229,10 +3209,9 @@
           <a:lstStyle/>
           <a:p>
             <a:r>
-              <a:rPr lang="en-US" dirty="0" smtClean="0"/>
+              <a:rPr lang="en-US" dirty="0"/>
               <a:t>Table of incidents at the case level </a:t>
             </a:r>
-            <a:endParaRPr lang="en-US" dirty="0"/>
           </a:p>
         </p:txBody>
       </p:sp>
@@ -3326,11 +3305,11 @@
                     <a:lstStyle/>
                     <a:p>
                       <a:r>
-                        <a:rPr lang="en-US" sz="1400" dirty="0" smtClean="0"/>
+                        <a:rPr lang="en-US" sz="1400" dirty="0"/>
                         <a:t>Detected</a:t>
                       </a:r>
                       <a:r>
-                        <a:rPr lang="en-US" sz="1400" baseline="0" dirty="0" smtClean="0"/>
+                        <a:rPr lang="en-US" sz="1400" baseline="0" dirty="0"/>
                         <a:t> Weakness Row</a:t>
                       </a:r>
                       <a:endParaRPr lang="en-US" sz="1400" dirty="0"/>
@@ -3344,31 +3323,30 @@
                     <a:lstStyle/>
                     <a:p>
                       <a:r>
-                        <a:rPr lang="en-US" sz="1400" dirty="0" smtClean="0"/>
+                        <a:rPr lang="en-US" sz="1400" dirty="0"/>
                         <a:t>Case ID</a:t>
                       </a:r>
-                      <a:endParaRPr lang="en-US" sz="1400" dirty="0"/>
-                    </a:p>
-                  </a:txBody>
-                  <a:tcPr/>
-                </a:tc>
-                <a:tc>
-                  <a:txBody>
-                    <a:bodyPr/>
-                    <a:lstStyle/>
-                    <a:p>
-                      <a:r>
-                        <a:rPr lang="en-US" sz="1400" dirty="0" smtClean="0"/>
+                    </a:p>
+                  </a:txBody>
+                  <a:tcPr/>
+                </a:tc>
+                <a:tc>
+                  <a:txBody>
+                    <a:bodyPr/>
+                    <a:lstStyle/>
+                    <a:p>
+                      <a:r>
+                        <a:rPr lang="en-US" sz="1400" dirty="0"/>
                         <a:t>Weakness</a:t>
                       </a:r>
                       <a:r>
-                        <a:rPr lang="en-US" sz="1400" baseline="0" dirty="0" smtClean="0"/>
+                        <a:rPr lang="en-US" sz="1400" baseline="0" dirty="0"/>
                         <a:t> Type (AF/PA)</a:t>
                       </a:r>
                     </a:p>
                     <a:p>
                       <a:r>
-                        <a:rPr lang="en-US" sz="1400" baseline="0" dirty="0" smtClean="0"/>
+                        <a:rPr lang="en-US" sz="1400" baseline="0" dirty="0"/>
                         <a:t>Activity-flow/performance aspect</a:t>
                       </a:r>
                       <a:endParaRPr lang="en-US" sz="1400" dirty="0"/>
@@ -3399,15 +3377,15 @@
                         <a:defRPr/>
                       </a:pPr>
                       <a:r>
-                        <a:rPr lang="en-US" sz="1400" dirty="0" smtClean="0"/>
+                        <a:rPr lang="en-US" sz="1400" dirty="0"/>
                         <a:t>Weakness ID (ID from the defined</a:t>
                       </a:r>
                       <a:r>
-                        <a:rPr lang="en-US" sz="1400" baseline="0" dirty="0" smtClean="0"/>
+                        <a:rPr lang="en-US" sz="1400" baseline="0" dirty="0"/>
                         <a:t> weakness</a:t>
                       </a:r>
                       <a:r>
-                        <a:rPr lang="en-US" sz="1400" dirty="0" smtClean="0"/>
+                        <a:rPr lang="en-US" sz="1400" dirty="0"/>
                         <a:t>) (1-9 for user define) (1-10 for automatic) </a:t>
                       </a:r>
                     </a:p>
@@ -3420,9 +3398,26 @@
                     <a:lstStyle/>
                     <a:p>
                       <a:r>
-                        <a:rPr lang="en-US" sz="1400" dirty="0" smtClean="0"/>
+                        <a:rPr lang="en-US" sz="1400" dirty="0"/>
                         <a:t>Weakness Origin (User/Auto)</a:t>
                       </a:r>
+                    </a:p>
+                  </a:txBody>
+                  <a:tcPr/>
+                </a:tc>
+                <a:tc>
+                  <a:txBody>
+                    <a:bodyPr/>
+                    <a:lstStyle/>
+                    <a:p>
+                      <a:r>
+                        <a:rPr lang="en-US" sz="1400" dirty="0"/>
+                        <a:t>Weakness</a:t>
+                      </a:r>
+                      <a:r>
+                        <a:rPr lang="en-US" sz="1400" baseline="0" dirty="0"/>
+                        <a:t> Time (timestamp of happening)</a:t>
+                      </a:r>
                       <a:endParaRPr lang="en-US" sz="1400" dirty="0"/>
                     </a:p>
                   </a:txBody>
@@ -3434,12 +3429,12 @@
                     <a:lstStyle/>
                     <a:p>
                       <a:r>
-                        <a:rPr lang="en-US" sz="1400" dirty="0" smtClean="0"/>
+                        <a:rPr lang="en-US" sz="1400" dirty="0"/>
                         <a:t>Weakness</a:t>
                       </a:r>
                       <a:r>
-                        <a:rPr lang="en-US" sz="1400" baseline="0" dirty="0" smtClean="0"/>
-                        <a:t> Time (timestamp of happening)</a:t>
+                        <a:rPr lang="en-US" sz="1400" baseline="0" dirty="0"/>
+                        <a:t> information </a:t>
                       </a:r>
                       <a:endParaRPr lang="en-US" sz="1400" dirty="0"/>
                     </a:p>
@@ -3452,32 +3447,14 @@
                     <a:lstStyle/>
                     <a:p>
                       <a:r>
-                        <a:rPr lang="en-US" sz="1400" dirty="0" smtClean="0"/>
+                        <a:rPr lang="en-US" sz="1400" dirty="0"/>
                         <a:t>Weakness</a:t>
                       </a:r>
                       <a:r>
-                        <a:rPr lang="en-US" sz="1400" baseline="0" dirty="0" smtClean="0"/>
-                        <a:t> information </a:t>
+                        <a:rPr lang="en-US" sz="1400" baseline="0" dirty="0"/>
+                        <a:t> Measurement</a:t>
                       </a:r>
                       <a:endParaRPr lang="en-US" sz="1400" dirty="0"/>
-                    </a:p>
-                  </a:txBody>
-                  <a:tcPr/>
-                </a:tc>
-                <a:tc>
-                  <a:txBody>
-                    <a:bodyPr/>
-                    <a:lstStyle/>
-                    <a:p>
-                      <a:r>
-                        <a:rPr lang="en-US" sz="1400" dirty="0" smtClean="0"/>
-                        <a:t>Weakness</a:t>
-                      </a:r>
-                      <a:r>
-                        <a:rPr lang="en-US" sz="1400" baseline="0" dirty="0" smtClean="0"/>
-                        <a:t> Measurement</a:t>
-                      </a:r>
-                      <a:endParaRPr lang="en-US" sz="1400" dirty="0" smtClean="0"/>
                     </a:p>
                   </a:txBody>
                   <a:tcPr/>
@@ -3495,9 +3472,78 @@
                     <a:lstStyle/>
                     <a:p>
                       <a:r>
-                        <a:rPr lang="en-US" sz="1400" dirty="0" smtClean="0"/>
+                        <a:rPr lang="en-US" sz="1400" dirty="0"/>
                         <a:t>1</a:t>
                       </a:r>
+                    </a:p>
+                  </a:txBody>
+                  <a:tcPr/>
+                </a:tc>
+                <a:tc>
+                  <a:txBody>
+                    <a:bodyPr/>
+                    <a:lstStyle/>
+                    <a:p>
+                      <a:r>
+                        <a:rPr lang="en-US" sz="1400" dirty="0"/>
+                        <a:t>Case10</a:t>
+                      </a:r>
+                    </a:p>
+                  </a:txBody>
+                  <a:tcPr/>
+                </a:tc>
+                <a:tc>
+                  <a:txBody>
+                    <a:bodyPr/>
+                    <a:lstStyle/>
+                    <a:p>
+                      <a:r>
+                        <a:rPr lang="en-US" sz="1400" dirty="0"/>
+                        <a:t>FA</a:t>
+                      </a:r>
+                    </a:p>
+                  </a:txBody>
+                  <a:tcPr/>
+                </a:tc>
+                <a:tc>
+                  <a:txBody>
+                    <a:bodyPr/>
+                    <a:lstStyle/>
+                    <a:p>
+                      <a:r>
+                        <a:rPr lang="en-US" sz="1400" dirty="0"/>
+                        <a:t>1</a:t>
+                      </a:r>
+                    </a:p>
+                  </a:txBody>
+                  <a:tcPr/>
+                </a:tc>
+                <a:tc>
+                  <a:txBody>
+                    <a:bodyPr/>
+                    <a:lstStyle/>
+                    <a:p>
+                      <a:r>
+                        <a:rPr lang="en-US" sz="1400" dirty="0"/>
+                        <a:t>User</a:t>
+                      </a:r>
+                    </a:p>
+                  </a:txBody>
+                  <a:tcPr/>
+                </a:tc>
+                <a:tc>
+                  <a:txBody>
+                    <a:bodyPr/>
+                    <a:lstStyle/>
+                    <a:p>
+                      <a:r>
+                        <a:rPr lang="en-US" sz="1400" dirty="0"/>
+                        <a:t>110/02/2020</a:t>
+                      </a:r>
+                      <a:r>
+                        <a:rPr lang="en-US" sz="1400" baseline="0" dirty="0"/>
+                        <a:t> 12:20 </a:t>
+                      </a:r>
                       <a:endParaRPr lang="en-US" sz="1400" dirty="0"/>
                     </a:p>
                   </a:txBody>
@@ -3509,98 +3555,22 @@
                     <a:lstStyle/>
                     <a:p>
                       <a:r>
-                        <a:rPr lang="en-US" sz="1400" dirty="0" smtClean="0"/>
-                        <a:t>Case10</a:t>
-                      </a:r>
-                      <a:endParaRPr lang="en-US" sz="1400" dirty="0"/>
-                    </a:p>
-                  </a:txBody>
-                  <a:tcPr/>
-                </a:tc>
-                <a:tc>
-                  <a:txBody>
-                    <a:bodyPr/>
-                    <a:lstStyle/>
-                    <a:p>
-                      <a:r>
-                        <a:rPr lang="en-US" sz="1400" dirty="0" smtClean="0"/>
-                        <a:t>FA</a:t>
-                      </a:r>
-                      <a:endParaRPr lang="en-US" sz="1400" dirty="0"/>
-                    </a:p>
-                  </a:txBody>
-                  <a:tcPr/>
-                </a:tc>
-                <a:tc>
-                  <a:txBody>
-                    <a:bodyPr/>
-                    <a:lstStyle/>
-                    <a:p>
-                      <a:r>
-                        <a:rPr lang="en-US" sz="1400" dirty="0" smtClean="0"/>
-                        <a:t>1</a:t>
-                      </a:r>
-                      <a:endParaRPr lang="en-US" sz="1400" dirty="0"/>
-                    </a:p>
-                  </a:txBody>
-                  <a:tcPr/>
-                </a:tc>
-                <a:tc>
-                  <a:txBody>
-                    <a:bodyPr/>
-                    <a:lstStyle/>
-                    <a:p>
-                      <a:r>
-                        <a:rPr lang="en-US" sz="1400" dirty="0" smtClean="0"/>
-                        <a:t>User</a:t>
-                      </a:r>
-                      <a:endParaRPr lang="en-US" sz="1400" dirty="0"/>
-                    </a:p>
-                  </a:txBody>
-                  <a:tcPr/>
-                </a:tc>
-                <a:tc>
-                  <a:txBody>
-                    <a:bodyPr/>
-                    <a:lstStyle/>
-                    <a:p>
-                      <a:r>
-                        <a:rPr lang="en-US" sz="1400" dirty="0" smtClean="0"/>
-                        <a:t>110/02/2020</a:t>
-                      </a:r>
-                      <a:r>
-                        <a:rPr lang="en-US" sz="1400" baseline="0" dirty="0" smtClean="0"/>
-                        <a:t> 12:20 </a:t>
-                      </a:r>
-                      <a:endParaRPr lang="en-US" sz="1400" dirty="0"/>
-                    </a:p>
-                  </a:txBody>
-                  <a:tcPr/>
-                </a:tc>
-                <a:tc>
-                  <a:txBody>
-                    <a:bodyPr/>
-                    <a:lstStyle/>
-                    <a:p>
-                      <a:r>
-                        <a:rPr lang="en-US" sz="1400" dirty="0" smtClean="0"/>
+                        <a:rPr lang="en-US" sz="1400" dirty="0"/>
                         <a:t>Unwanted activity “a”</a:t>
                       </a:r>
-                      <a:endParaRPr lang="en-US" sz="1400" dirty="0"/>
-                    </a:p>
-                  </a:txBody>
-                  <a:tcPr/>
-                </a:tc>
-                <a:tc>
-                  <a:txBody>
-                    <a:bodyPr/>
-                    <a:lstStyle/>
-                    <a:p>
-                      <a:r>
-                        <a:rPr lang="en-US" sz="1400" dirty="0" smtClean="0"/>
+                    </a:p>
+                  </a:txBody>
+                  <a:tcPr/>
+                </a:tc>
+                <a:tc>
+                  <a:txBody>
+                    <a:bodyPr/>
+                    <a:lstStyle/>
+                    <a:p>
+                      <a:r>
+                        <a:rPr lang="en-US" sz="1400" dirty="0"/>
                         <a:t>Happened in the case </a:t>
                       </a:r>
-                      <a:endParaRPr lang="en-US" sz="1400" dirty="0"/>
                     </a:p>
                   </a:txBody>
                   <a:tcPr/>
@@ -3618,66 +3588,61 @@
                     <a:lstStyle/>
                     <a:p>
                       <a:r>
-                        <a:rPr lang="en-US" sz="1400" dirty="0" smtClean="0"/>
+                        <a:rPr lang="en-US" sz="1400" dirty="0"/>
                         <a:t>2</a:t>
                       </a:r>
-                      <a:endParaRPr lang="en-US" sz="1400" dirty="0"/>
-                    </a:p>
-                  </a:txBody>
-                  <a:tcPr/>
-                </a:tc>
-                <a:tc>
-                  <a:txBody>
-                    <a:bodyPr/>
-                    <a:lstStyle/>
-                    <a:p>
-                      <a:r>
-                        <a:rPr lang="en-US" sz="1400" dirty="0" smtClean="0"/>
+                    </a:p>
+                  </a:txBody>
+                  <a:tcPr/>
+                </a:tc>
+                <a:tc>
+                  <a:txBody>
+                    <a:bodyPr/>
+                    <a:lstStyle/>
+                    <a:p>
+                      <a:r>
+                        <a:rPr lang="en-US" sz="1400" dirty="0"/>
                         <a:t>Case 18</a:t>
                       </a:r>
-                      <a:endParaRPr lang="en-US" sz="1400" dirty="0"/>
-                    </a:p>
-                  </a:txBody>
-                  <a:tcPr/>
-                </a:tc>
-                <a:tc>
-                  <a:txBody>
-                    <a:bodyPr/>
-                    <a:lstStyle/>
-                    <a:p>
-                      <a:r>
-                        <a:rPr lang="en-US" sz="1400" dirty="0" smtClean="0"/>
+                    </a:p>
+                  </a:txBody>
+                  <a:tcPr/>
+                </a:tc>
+                <a:tc>
+                  <a:txBody>
+                    <a:bodyPr/>
+                    <a:lstStyle/>
+                    <a:p>
+                      <a:r>
+                        <a:rPr lang="en-US" sz="1400" dirty="0"/>
                         <a:t>Pa</a:t>
                       </a:r>
-                      <a:endParaRPr lang="en-US" sz="1400" dirty="0"/>
-                    </a:p>
-                  </a:txBody>
-                  <a:tcPr/>
-                </a:tc>
-                <a:tc>
-                  <a:txBody>
-                    <a:bodyPr/>
-                    <a:lstStyle/>
-                    <a:p>
-                      <a:r>
-                        <a:rPr lang="en-US" sz="1400" dirty="0" smtClean="0"/>
+                    </a:p>
+                  </a:txBody>
+                  <a:tcPr/>
+                </a:tc>
+                <a:tc>
+                  <a:txBody>
+                    <a:bodyPr/>
+                    <a:lstStyle/>
+                    <a:p>
+                      <a:r>
+                        <a:rPr lang="en-US" sz="1400" dirty="0"/>
                         <a:t>5</a:t>
                       </a:r>
-                      <a:endParaRPr lang="en-US" sz="1400" dirty="0"/>
-                    </a:p>
-                  </a:txBody>
-                  <a:tcPr/>
-                </a:tc>
-                <a:tc>
-                  <a:txBody>
-                    <a:bodyPr/>
-                    <a:lstStyle/>
-                    <a:p>
-                      <a:r>
-                        <a:rPr lang="en-US" sz="1400" dirty="0" smtClean="0"/>
+                    </a:p>
+                  </a:txBody>
+                  <a:tcPr/>
+                </a:tc>
+                <a:tc>
+                  <a:txBody>
+                    <a:bodyPr/>
+                    <a:lstStyle/>
+                    <a:p>
+                      <a:r>
+                        <a:rPr lang="en-US" sz="1400" dirty="0"/>
                         <a:t>Auto</a:t>
                       </a:r>
-                      <a:endParaRPr lang="en-US" sz="1400" dirty="0"/>
                     </a:p>
                   </a:txBody>
                   <a:tcPr/>
@@ -3705,29 +3670,29 @@
                         <a:defRPr/>
                       </a:pPr>
                       <a:r>
-                        <a:rPr lang="en-US" sz="1400" dirty="0" smtClean="0"/>
+                        <a:rPr lang="en-US" sz="1400" dirty="0"/>
                         <a:t>110/02/2020</a:t>
                       </a:r>
                       <a:r>
-                        <a:rPr lang="en-US" sz="1400" baseline="0" dirty="0" smtClean="0"/>
+                        <a:rPr lang="en-US" sz="1400" baseline="0" dirty="0"/>
                         <a:t> 12:20 </a:t>
                       </a:r>
-                      <a:endParaRPr lang="en-US" sz="1400" dirty="0" smtClean="0"/>
-                    </a:p>
-                  </a:txBody>
-                  <a:tcPr/>
-                </a:tc>
-                <a:tc>
-                  <a:txBody>
-                    <a:bodyPr/>
-                    <a:lstStyle/>
-                    <a:p>
-                      <a:r>
-                        <a:rPr lang="en-US" sz="1400" dirty="0" smtClean="0"/>
+                      <a:endParaRPr lang="en-US" sz="1400" dirty="0"/>
+                    </a:p>
+                  </a:txBody>
+                  <a:tcPr/>
+                </a:tc>
+                <a:tc>
+                  <a:txBody>
+                    <a:bodyPr/>
+                    <a:lstStyle/>
+                    <a:p>
+                      <a:r>
+                        <a:rPr lang="en-US" sz="1400" dirty="0"/>
                         <a:t>Long</a:t>
                       </a:r>
                       <a:r>
-                        <a:rPr lang="en-US" sz="1400" baseline="0" dirty="0" smtClean="0"/>
+                        <a:rPr lang="en-US" sz="1400" baseline="0" dirty="0"/>
                         <a:t> duration of the case</a:t>
                       </a:r>
                       <a:endParaRPr lang="en-US" sz="1400" dirty="0"/>
@@ -3741,11 +3706,11 @@
                     <a:lstStyle/>
                     <a:p>
                       <a:r>
-                        <a:rPr lang="en-US" sz="1400" dirty="0" smtClean="0"/>
+                        <a:rPr lang="en-US" sz="1400" dirty="0"/>
                         <a:t>20% longer</a:t>
                       </a:r>
                       <a:r>
-                        <a:rPr lang="en-US" sz="1400" baseline="0" dirty="0" smtClean="0"/>
+                        <a:rPr lang="en-US" sz="1400" baseline="0" dirty="0"/>
                         <a:t> than average case duration</a:t>
                       </a:r>
                       <a:endParaRPr lang="en-US" sz="1400" dirty="0"/>
@@ -3766,10 +3731,9 @@
                     <a:lstStyle/>
                     <a:p>
                       <a:r>
-                        <a:rPr lang="en-US" sz="1400" dirty="0" smtClean="0"/>
+                        <a:rPr lang="en-US" sz="1400" dirty="0"/>
                         <a:t>3</a:t>
                       </a:r>
-                      <a:endParaRPr lang="en-US" sz="1400" dirty="0"/>
                     </a:p>
                   </a:txBody>
                   <a:tcPr/>
@@ -3857,10 +3821,9 @@
                     <a:lstStyle/>
                     <a:p>
                       <a:r>
-                        <a:rPr lang="en-US" sz="1400" dirty="0" smtClean="0"/>
+                        <a:rPr lang="en-US" sz="1400" dirty="0"/>
                         <a:t>4</a:t>
                       </a:r>
-                      <a:endParaRPr lang="en-US" sz="1400" dirty="0"/>
                     </a:p>
                   </a:txBody>
                   <a:tcPr/>
@@ -4252,10 +4215,9 @@
           <a:lstStyle/>
           <a:p>
             <a:r>
-              <a:rPr lang="en-US" dirty="0" smtClean="0"/>
+              <a:rPr lang="en-US" dirty="0"/>
               <a:t>Table of incidents at the Process Level</a:t>
             </a:r>
-            <a:endParaRPr lang="en-US" dirty="0"/>
           </a:p>
         </p:txBody>
       </p:sp>
@@ -4360,11 +4322,11 @@
                     <a:lstStyle/>
                     <a:p>
                       <a:r>
-                        <a:rPr lang="en-US" sz="1400" dirty="0" smtClean="0"/>
+                        <a:rPr lang="en-US" sz="1400" dirty="0"/>
                         <a:t>Detected</a:t>
                       </a:r>
                       <a:r>
-                        <a:rPr lang="en-US" sz="1400" baseline="0" dirty="0" smtClean="0"/>
+                        <a:rPr lang="en-US" sz="1400" baseline="0" dirty="0"/>
                         <a:t> Weakness Row</a:t>
                       </a:r>
                       <a:endParaRPr lang="en-US" sz="1400" dirty="0"/>
@@ -4378,17 +4340,17 @@
                     <a:lstStyle/>
                     <a:p>
                       <a:r>
-                        <a:rPr lang="en-US" sz="1400" dirty="0" smtClean="0"/>
+                        <a:rPr lang="en-US" sz="1400" dirty="0"/>
                         <a:t>Weakness</a:t>
                       </a:r>
                       <a:r>
-                        <a:rPr lang="en-US" sz="1400" baseline="0" dirty="0" smtClean="0"/>
+                        <a:rPr lang="en-US" sz="1400" baseline="0" dirty="0"/>
                         <a:t> Type (AF/PA)</a:t>
                       </a:r>
                     </a:p>
                     <a:p>
                       <a:r>
-                        <a:rPr lang="en-US" sz="1400" baseline="0" dirty="0" smtClean="0"/>
+                        <a:rPr lang="en-US" sz="1400" baseline="0" dirty="0"/>
                         <a:t>Activity-flow/performance aspect</a:t>
                       </a:r>
                       <a:endParaRPr lang="en-US" sz="1400" dirty="0"/>
@@ -4419,15 +4381,15 @@
                         <a:defRPr/>
                       </a:pPr>
                       <a:r>
-                        <a:rPr lang="en-US" sz="1400" dirty="0" smtClean="0"/>
+                        <a:rPr lang="en-US" sz="1400" dirty="0"/>
                         <a:t>Weakness ID (ID from the defined</a:t>
                       </a:r>
                       <a:r>
-                        <a:rPr lang="en-US" sz="1400" baseline="0" dirty="0" smtClean="0"/>
+                        <a:rPr lang="en-US" sz="1400" baseline="0" dirty="0"/>
                         <a:t> weakness</a:t>
                       </a:r>
                       <a:r>
-                        <a:rPr lang="en-US" sz="1400" dirty="0" smtClean="0"/>
+                        <a:rPr lang="en-US" sz="1400" dirty="0"/>
                         <a:t>) (1-9 for user define) (1-10 for automatic) </a:t>
                       </a:r>
                     </a:p>
@@ -4443,9 +4405,26 @@
                     <a:lstStyle/>
                     <a:p>
                       <a:r>
-                        <a:rPr lang="en-US" sz="1400" dirty="0" smtClean="0"/>
+                        <a:rPr lang="en-US" sz="1400" dirty="0"/>
                         <a:t>Weakness Origin (User/Auto)</a:t>
                       </a:r>
+                    </a:p>
+                  </a:txBody>
+                  <a:tcPr/>
+                </a:tc>
+                <a:tc>
+                  <a:txBody>
+                    <a:bodyPr/>
+                    <a:lstStyle/>
+                    <a:p>
+                      <a:r>
+                        <a:rPr lang="en-US" sz="1400" dirty="0"/>
+                        <a:t>Weakness</a:t>
+                      </a:r>
+                      <a:r>
+                        <a:rPr lang="en-US" sz="1400" baseline="0" dirty="0"/>
+                        <a:t> Time (timestamp of happening)</a:t>
+                      </a:r>
                       <a:endParaRPr lang="en-US" sz="1400" dirty="0"/>
                     </a:p>
                   </a:txBody>
@@ -4457,12 +4436,12 @@
                     <a:lstStyle/>
                     <a:p>
                       <a:r>
-                        <a:rPr lang="en-US" sz="1400" dirty="0" smtClean="0"/>
+                        <a:rPr lang="en-US" sz="1400" dirty="0"/>
                         <a:t>Weakness</a:t>
                       </a:r>
                       <a:r>
-                        <a:rPr lang="en-US" sz="1400" baseline="0" dirty="0" smtClean="0"/>
-                        <a:t> Time (timestamp of happening)</a:t>
+                        <a:rPr lang="en-US" sz="1400" baseline="0" dirty="0"/>
+                        <a:t> information </a:t>
                       </a:r>
                       <a:endParaRPr lang="en-US" sz="1400" dirty="0"/>
                     </a:p>
@@ -4475,32 +4454,14 @@
                     <a:lstStyle/>
                     <a:p>
                       <a:r>
-                        <a:rPr lang="en-US" sz="1400" dirty="0" smtClean="0"/>
+                        <a:rPr lang="en-US" sz="1400" dirty="0"/>
                         <a:t>Weakness</a:t>
                       </a:r>
                       <a:r>
-                        <a:rPr lang="en-US" sz="1400" baseline="0" dirty="0" smtClean="0"/>
-                        <a:t> information </a:t>
+                        <a:rPr lang="en-US" sz="1400" baseline="0" dirty="0"/>
+                        <a:t> Measurement</a:t>
                       </a:r>
                       <a:endParaRPr lang="en-US" sz="1400" dirty="0"/>
-                    </a:p>
-                  </a:txBody>
-                  <a:tcPr/>
-                </a:tc>
-                <a:tc>
-                  <a:txBody>
-                    <a:bodyPr/>
-                    <a:lstStyle/>
-                    <a:p>
-                      <a:r>
-                        <a:rPr lang="en-US" sz="1400" dirty="0" smtClean="0"/>
-                        <a:t>Weakness</a:t>
-                      </a:r>
-                      <a:r>
-                        <a:rPr lang="en-US" sz="1400" baseline="0" dirty="0" smtClean="0"/>
-                        <a:t> Measurement</a:t>
-                      </a:r>
-                      <a:endParaRPr lang="en-US" sz="1400" dirty="0" smtClean="0"/>
                     </a:p>
                   </a:txBody>
                   <a:tcPr/>
@@ -4518,9 +4479,65 @@
                     <a:lstStyle/>
                     <a:p>
                       <a:r>
-                        <a:rPr lang="en-US" sz="1400" dirty="0" smtClean="0"/>
+                        <a:rPr lang="en-US" sz="1400" dirty="0"/>
                         <a:t>1</a:t>
                       </a:r>
+                    </a:p>
+                  </a:txBody>
+                  <a:tcPr/>
+                </a:tc>
+                <a:tc>
+                  <a:txBody>
+                    <a:bodyPr/>
+                    <a:lstStyle/>
+                    <a:p>
+                      <a:r>
+                        <a:rPr lang="en-US" sz="1400" dirty="0"/>
+                        <a:t>FA</a:t>
+                      </a:r>
+                    </a:p>
+                  </a:txBody>
+                  <a:tcPr/>
+                </a:tc>
+                <a:tc>
+                  <a:txBody>
+                    <a:bodyPr/>
+                    <a:lstStyle/>
+                    <a:p>
+                      <a:r>
+                        <a:rPr lang="en-US" sz="1400" dirty="0"/>
+                        <a:t>1</a:t>
+                      </a:r>
+                    </a:p>
+                  </a:txBody>
+                  <a:tcPr/>
+                </a:tc>
+                <a:tc>
+                  <a:txBody>
+                    <a:bodyPr/>
+                    <a:lstStyle/>
+                    <a:p>
+                      <a:r>
+                        <a:rPr lang="en-US" sz="1400" dirty="0"/>
+                        <a:t>User</a:t>
+                      </a:r>
+                    </a:p>
+                  </a:txBody>
+                  <a:tcPr/>
+                </a:tc>
+                <a:tc>
+                  <a:txBody>
+                    <a:bodyPr/>
+                    <a:lstStyle/>
+                    <a:p>
+                      <a:r>
+                        <a:rPr lang="en-US" sz="1400" dirty="0"/>
+                        <a:t>110/02/2020</a:t>
+                      </a:r>
+                      <a:r>
+                        <a:rPr lang="en-US" sz="1400" baseline="0" dirty="0"/>
+                        <a:t> 12:20 </a:t>
+                      </a:r>
                       <a:endParaRPr lang="en-US" sz="1400" dirty="0"/>
                     </a:p>
                   </a:txBody>
@@ -4532,84 +4549,22 @@
                     <a:lstStyle/>
                     <a:p>
                       <a:r>
-                        <a:rPr lang="en-US" sz="1400" dirty="0" smtClean="0"/>
-                        <a:t>FA</a:t>
-                      </a:r>
-                      <a:endParaRPr lang="en-US" sz="1400" dirty="0"/>
-                    </a:p>
-                  </a:txBody>
-                  <a:tcPr/>
-                </a:tc>
-                <a:tc>
-                  <a:txBody>
-                    <a:bodyPr/>
-                    <a:lstStyle/>
-                    <a:p>
-                      <a:r>
-                        <a:rPr lang="en-US" sz="1400" dirty="0" smtClean="0"/>
-                        <a:t>1</a:t>
-                      </a:r>
-                      <a:endParaRPr lang="en-US" sz="1400" dirty="0"/>
-                    </a:p>
-                  </a:txBody>
-                  <a:tcPr/>
-                </a:tc>
-                <a:tc>
-                  <a:txBody>
-                    <a:bodyPr/>
-                    <a:lstStyle/>
-                    <a:p>
-                      <a:r>
-                        <a:rPr lang="en-US" sz="1400" dirty="0" smtClean="0"/>
-                        <a:t>User</a:t>
-                      </a:r>
-                      <a:endParaRPr lang="en-US" sz="1400" dirty="0"/>
-                    </a:p>
-                  </a:txBody>
-                  <a:tcPr/>
-                </a:tc>
-                <a:tc>
-                  <a:txBody>
-                    <a:bodyPr/>
-                    <a:lstStyle/>
-                    <a:p>
-                      <a:r>
-                        <a:rPr lang="en-US" sz="1400" dirty="0" smtClean="0"/>
-                        <a:t>110/02/2020</a:t>
-                      </a:r>
-                      <a:r>
-                        <a:rPr lang="en-US" sz="1400" baseline="0" dirty="0" smtClean="0"/>
-                        <a:t> 12:20 </a:t>
-                      </a:r>
-                      <a:endParaRPr lang="en-US" sz="1400" dirty="0"/>
-                    </a:p>
-                  </a:txBody>
-                  <a:tcPr/>
-                </a:tc>
-                <a:tc>
-                  <a:txBody>
-                    <a:bodyPr/>
-                    <a:lstStyle/>
-                    <a:p>
-                      <a:r>
-                        <a:rPr lang="en-US" sz="1400" dirty="0" smtClean="0"/>
+                        <a:rPr lang="en-US" sz="1400" dirty="0"/>
                         <a:t>Unwanted activity “a”</a:t>
                       </a:r>
-                      <a:endParaRPr lang="en-US" sz="1400" dirty="0"/>
-                    </a:p>
-                  </a:txBody>
-                  <a:tcPr/>
-                </a:tc>
-                <a:tc>
-                  <a:txBody>
-                    <a:bodyPr/>
-                    <a:lstStyle/>
-                    <a:p>
-                      <a:r>
-                        <a:rPr lang="en-US" sz="1400" dirty="0" smtClean="0"/>
+                    </a:p>
+                  </a:txBody>
+                  <a:tcPr/>
+                </a:tc>
+                <a:tc>
+                  <a:txBody>
+                    <a:bodyPr/>
+                    <a:lstStyle/>
+                    <a:p>
+                      <a:r>
+                        <a:rPr lang="en-US" sz="1400" dirty="0"/>
                         <a:t>Happened in the case </a:t>
                       </a:r>
-                      <a:endParaRPr lang="en-US" sz="1400" dirty="0"/>
                     </a:p>
                   </a:txBody>
                   <a:tcPr/>
@@ -4627,10 +4582,9 @@
                     <a:lstStyle/>
                     <a:p>
                       <a:r>
-                        <a:rPr lang="en-US" sz="1400" dirty="0" smtClean="0"/>
+                        <a:rPr lang="en-US" sz="1400" dirty="0"/>
                         <a:t>2</a:t>
                       </a:r>
-                      <a:endParaRPr lang="en-US" sz="1400" dirty="0"/>
                     </a:p>
                   </a:txBody>
                   <a:tcPr/>
@@ -4708,10 +4662,9 @@
                     <a:lstStyle/>
                     <a:p>
                       <a:r>
-                        <a:rPr lang="en-US" sz="1400" dirty="0" smtClean="0"/>
+                        <a:rPr lang="en-US" sz="1400" dirty="0"/>
                         <a:t>3</a:t>
                       </a:r>
-                      <a:endParaRPr lang="en-US" sz="1400" dirty="0"/>
                     </a:p>
                   </a:txBody>
                   <a:tcPr/>
@@ -4789,10 +4742,9 @@
                     <a:lstStyle/>
                     <a:p>
                       <a:r>
-                        <a:rPr lang="en-US" sz="1400" dirty="0" smtClean="0"/>
+                        <a:rPr lang="en-US" sz="1400" dirty="0"/>
                         <a:t>4</a:t>
                       </a:r>
-                      <a:endParaRPr lang="en-US" sz="1400" dirty="0"/>
                     </a:p>
                   </a:txBody>
                   <a:tcPr/>
@@ -5177,6 +5129,430 @@
     <p:extLst>
       <p:ext uri="{BB962C8B-B14F-4D97-AF65-F5344CB8AC3E}">
         <p14:creationId xmlns:p14="http://schemas.microsoft.com/office/powerpoint/2010/main" val="1115263627"/>
+      </p:ext>
+    </p:extLst>
+  </p:cSld>
+  <p:clrMapOvr>
+    <a:masterClrMapping/>
+  </p:clrMapOvr>
+</p:sld>
+</file>
+
+<file path=ppt/slides/slide6.xml><?xml version="1.0" encoding="utf-8"?>
+<p:sld xmlns:a="http://schemas.openxmlformats.org/drawingml/2006/main" xmlns:r="http://schemas.openxmlformats.org/officeDocument/2006/relationships" xmlns:p="http://schemas.openxmlformats.org/presentationml/2006/main">
+  <p:cSld>
+    <p:spTree>
+      <p:nvGrpSpPr>
+        <p:cNvPr id="1" name=""/>
+        <p:cNvGrpSpPr/>
+        <p:nvPr/>
+      </p:nvGrpSpPr>
+      <p:grpSpPr>
+        <a:xfrm>
+          <a:off x="0" y="0"/>
+          <a:ext cx="0" cy="0"/>
+          <a:chOff x="0" y="0"/>
+          <a:chExt cx="0" cy="0"/>
+        </a:xfrm>
+      </p:grpSpPr>
+      <p:sp>
+        <p:nvSpPr>
+          <p:cNvPr id="27" name="Title 26">
+            <a:extLst>
+              <a:ext uri="{FF2B5EF4-FFF2-40B4-BE49-F238E27FC236}">
+                <a16:creationId xmlns:a16="http://schemas.microsoft.com/office/drawing/2014/main" id="{A1F2E3D0-D518-BB49-9BFE-4EE676FE0AB7}"/>
+              </a:ext>
+            </a:extLst>
+          </p:cNvPr>
+          <p:cNvSpPr>
+            <a:spLocks noGrp="1"/>
+          </p:cNvSpPr>
+          <p:nvPr>
+            <p:ph type="title"/>
+          </p:nvPr>
+        </p:nvSpPr>
+        <p:spPr/>
+        <p:txBody>
+          <a:bodyPr/>
+          <a:lstStyle/>
+          <a:p>
+            <a:r>
+              <a:rPr lang="en-US" dirty="0"/>
+              <a:t>High level view</a:t>
+            </a:r>
+          </a:p>
+        </p:txBody>
+      </p:sp>
+      <p:sp>
+        <p:nvSpPr>
+          <p:cNvPr id="4" name="Can 3">
+            <a:extLst>
+              <a:ext uri="{FF2B5EF4-FFF2-40B4-BE49-F238E27FC236}">
+                <a16:creationId xmlns:a16="http://schemas.microsoft.com/office/drawing/2014/main" id="{54F79D8C-3FA2-D643-BB14-7925744A3A62}"/>
+              </a:ext>
+            </a:extLst>
+          </p:cNvPr>
+          <p:cNvSpPr/>
+          <p:nvPr/>
+        </p:nvSpPr>
+        <p:spPr>
+          <a:xfrm>
+            <a:off x="1919287" y="2778252"/>
+            <a:ext cx="914400" cy="1216152"/>
+          </a:xfrm>
+          <a:prstGeom prst="can">
+            <a:avLst/>
+          </a:prstGeom>
+        </p:spPr>
+        <p:style>
+          <a:lnRef idx="2">
+            <a:schemeClr val="accent1">
+              <a:shade val="50000"/>
+            </a:schemeClr>
+          </a:lnRef>
+          <a:fillRef idx="1">
+            <a:schemeClr val="accent1"/>
+          </a:fillRef>
+          <a:effectRef idx="0">
+            <a:schemeClr val="accent1"/>
+          </a:effectRef>
+          <a:fontRef idx="minor">
+            <a:schemeClr val="lt1"/>
+          </a:fontRef>
+        </p:style>
+        <p:txBody>
+          <a:bodyPr rtlCol="0" anchor="ctr"/>
+          <a:lstStyle/>
+          <a:p>
+            <a:pPr algn="ctr"/>
+            <a:r>
+              <a:rPr lang="en-US" dirty="0"/>
+              <a:t>Event Log</a:t>
+            </a:r>
+          </a:p>
+        </p:txBody>
+      </p:sp>
+      <p:sp>
+        <p:nvSpPr>
+          <p:cNvPr id="5" name="Rounded Rectangle 4">
+            <a:extLst>
+              <a:ext uri="{FF2B5EF4-FFF2-40B4-BE49-F238E27FC236}">
+                <a16:creationId xmlns:a16="http://schemas.microsoft.com/office/drawing/2014/main" id="{855D8532-5966-B649-9D94-2D76EAEDD592}"/>
+              </a:ext>
+            </a:extLst>
+          </p:cNvPr>
+          <p:cNvSpPr/>
+          <p:nvPr/>
+        </p:nvSpPr>
+        <p:spPr>
+          <a:xfrm>
+            <a:off x="4729163" y="2243138"/>
+            <a:ext cx="1366837" cy="857250"/>
+          </a:xfrm>
+          <a:prstGeom prst="roundRect">
+            <a:avLst/>
+          </a:prstGeom>
+        </p:spPr>
+        <p:style>
+          <a:lnRef idx="2">
+            <a:schemeClr val="accent1">
+              <a:shade val="50000"/>
+            </a:schemeClr>
+          </a:lnRef>
+          <a:fillRef idx="1">
+            <a:schemeClr val="accent1"/>
+          </a:fillRef>
+          <a:effectRef idx="0">
+            <a:schemeClr val="accent1"/>
+          </a:effectRef>
+          <a:fontRef idx="minor">
+            <a:schemeClr val="lt1"/>
+          </a:fontRef>
+        </p:style>
+        <p:txBody>
+          <a:bodyPr rtlCol="0" anchor="ctr"/>
+          <a:lstStyle/>
+          <a:p>
+            <a:pPr algn="ctr"/>
+            <a:r>
+              <a:rPr lang="en-US" dirty="0"/>
+              <a:t>Weakness from rules(1-9)</a:t>
+            </a:r>
+          </a:p>
+        </p:txBody>
+      </p:sp>
+      <p:sp>
+        <p:nvSpPr>
+          <p:cNvPr id="6" name="Rounded Rectangle 5">
+            <a:extLst>
+              <a:ext uri="{FF2B5EF4-FFF2-40B4-BE49-F238E27FC236}">
+                <a16:creationId xmlns:a16="http://schemas.microsoft.com/office/drawing/2014/main" id="{FE764DFD-7AA5-9044-A0DA-1C1BE6F03BA8}"/>
+              </a:ext>
+            </a:extLst>
+          </p:cNvPr>
+          <p:cNvSpPr/>
+          <p:nvPr/>
+        </p:nvSpPr>
+        <p:spPr>
+          <a:xfrm>
+            <a:off x="4476751" y="4314031"/>
+            <a:ext cx="2071687" cy="928687"/>
+          </a:xfrm>
+          <a:prstGeom prst="roundRect">
+            <a:avLst/>
+          </a:prstGeom>
+        </p:spPr>
+        <p:style>
+          <a:lnRef idx="2">
+            <a:schemeClr val="accent1">
+              <a:shade val="50000"/>
+            </a:schemeClr>
+          </a:lnRef>
+          <a:fillRef idx="1">
+            <a:schemeClr val="accent1"/>
+          </a:fillRef>
+          <a:effectRef idx="0">
+            <a:schemeClr val="accent1"/>
+          </a:effectRef>
+          <a:fontRef idx="minor">
+            <a:schemeClr val="lt1"/>
+          </a:fontRef>
+        </p:style>
+        <p:txBody>
+          <a:bodyPr rtlCol="0" anchor="ctr"/>
+          <a:lstStyle/>
+          <a:p>
+            <a:pPr algn="ctr"/>
+            <a:r>
+              <a:rPr lang="en-US" dirty="0"/>
+              <a:t>Weakness from automatic detection</a:t>
+            </a:r>
+          </a:p>
+        </p:txBody>
+      </p:sp>
+      <p:sp>
+        <p:nvSpPr>
+          <p:cNvPr id="7" name="Folded Corner 6">
+            <a:extLst>
+              <a:ext uri="{FF2B5EF4-FFF2-40B4-BE49-F238E27FC236}">
+                <a16:creationId xmlns:a16="http://schemas.microsoft.com/office/drawing/2014/main" id="{17B11D13-BAFE-BD4D-ABFA-A113C17DB7D2}"/>
+              </a:ext>
+            </a:extLst>
+          </p:cNvPr>
+          <p:cNvSpPr/>
+          <p:nvPr/>
+        </p:nvSpPr>
+        <p:spPr>
+          <a:xfrm>
+            <a:off x="8493919" y="2979991"/>
+            <a:ext cx="1728788" cy="1014413"/>
+          </a:xfrm>
+          <a:prstGeom prst="foldedCorner">
+            <a:avLst/>
+          </a:prstGeom>
+        </p:spPr>
+        <p:style>
+          <a:lnRef idx="2">
+            <a:schemeClr val="accent1">
+              <a:shade val="50000"/>
+            </a:schemeClr>
+          </a:lnRef>
+          <a:fillRef idx="1">
+            <a:schemeClr val="accent1"/>
+          </a:fillRef>
+          <a:effectRef idx="0">
+            <a:schemeClr val="accent1"/>
+          </a:effectRef>
+          <a:fontRef idx="minor">
+            <a:schemeClr val="lt1"/>
+          </a:fontRef>
+        </p:style>
+        <p:txBody>
+          <a:bodyPr rtlCol="0" anchor="ctr"/>
+          <a:lstStyle/>
+          <a:p>
+            <a:pPr algn="ctr"/>
+            <a:r>
+              <a:rPr lang="en-US" dirty="0"/>
+              <a:t>Merged data for representation</a:t>
+            </a:r>
+          </a:p>
+        </p:txBody>
+      </p:sp>
+      <p:cxnSp>
+        <p:nvCxnSpPr>
+          <p:cNvPr id="11" name="Straight Arrow Connector 10">
+            <a:extLst>
+              <a:ext uri="{FF2B5EF4-FFF2-40B4-BE49-F238E27FC236}">
+                <a16:creationId xmlns:a16="http://schemas.microsoft.com/office/drawing/2014/main" id="{D0C3AEDB-38F4-8640-BD9F-A6CC624E5B76}"/>
+              </a:ext>
+            </a:extLst>
+          </p:cNvPr>
+          <p:cNvCxnSpPr>
+            <a:cxnSpLocks/>
+            <a:stCxn id="4" idx="4"/>
+            <a:endCxn id="5" idx="1"/>
+          </p:cNvCxnSpPr>
+          <p:nvPr/>
+        </p:nvCxnSpPr>
+        <p:spPr>
+          <a:xfrm flipV="1">
+            <a:off x="2833687" y="2671763"/>
+            <a:ext cx="1895476" cy="714565"/>
+          </a:xfrm>
+          <a:prstGeom prst="straightConnector1">
+            <a:avLst/>
+          </a:prstGeom>
+          <a:ln>
+            <a:tailEnd type="triangle"/>
+          </a:ln>
+        </p:spPr>
+        <p:style>
+          <a:lnRef idx="1">
+            <a:schemeClr val="accent1"/>
+          </a:lnRef>
+          <a:fillRef idx="0">
+            <a:schemeClr val="accent1"/>
+          </a:fillRef>
+          <a:effectRef idx="0">
+            <a:schemeClr val="accent1"/>
+          </a:effectRef>
+          <a:fontRef idx="minor">
+            <a:schemeClr val="tx1"/>
+          </a:fontRef>
+        </p:style>
+      </p:cxnSp>
+      <p:cxnSp>
+        <p:nvCxnSpPr>
+          <p:cNvPr id="13" name="Straight Arrow Connector 12">
+            <a:extLst>
+              <a:ext uri="{FF2B5EF4-FFF2-40B4-BE49-F238E27FC236}">
+                <a16:creationId xmlns:a16="http://schemas.microsoft.com/office/drawing/2014/main" id="{32F0E87D-CA49-D948-B458-A1A91A040585}"/>
+              </a:ext>
+            </a:extLst>
+          </p:cNvPr>
+          <p:cNvCxnSpPr>
+            <a:stCxn id="4" idx="4"/>
+            <a:endCxn id="6" idx="1"/>
+          </p:cNvCxnSpPr>
+          <p:nvPr/>
+        </p:nvCxnSpPr>
+        <p:spPr>
+          <a:xfrm>
+            <a:off x="2833687" y="3386328"/>
+            <a:ext cx="1643064" cy="1392047"/>
+          </a:xfrm>
+          <a:prstGeom prst="straightConnector1">
+            <a:avLst/>
+          </a:prstGeom>
+          <a:ln>
+            <a:tailEnd type="triangle"/>
+          </a:ln>
+        </p:spPr>
+        <p:style>
+          <a:lnRef idx="1">
+            <a:schemeClr val="accent1"/>
+          </a:lnRef>
+          <a:fillRef idx="0">
+            <a:schemeClr val="accent1"/>
+          </a:fillRef>
+          <a:effectRef idx="0">
+            <a:schemeClr val="accent1"/>
+          </a:effectRef>
+          <a:fontRef idx="minor">
+            <a:schemeClr val="tx1"/>
+          </a:fontRef>
+        </p:style>
+      </p:cxnSp>
+      <p:cxnSp>
+        <p:nvCxnSpPr>
+          <p:cNvPr id="15" name="Straight Arrow Connector 14">
+            <a:extLst>
+              <a:ext uri="{FF2B5EF4-FFF2-40B4-BE49-F238E27FC236}">
+                <a16:creationId xmlns:a16="http://schemas.microsoft.com/office/drawing/2014/main" id="{1565FF0D-32EA-294D-8D7B-97DE4F6A5D79}"/>
+              </a:ext>
+            </a:extLst>
+          </p:cNvPr>
+          <p:cNvCxnSpPr>
+            <a:stCxn id="5" idx="3"/>
+            <a:endCxn id="7" idx="1"/>
+          </p:cNvCxnSpPr>
+          <p:nvPr/>
+        </p:nvCxnSpPr>
+        <p:spPr>
+          <a:xfrm>
+            <a:off x="6096000" y="2671763"/>
+            <a:ext cx="2397919" cy="815435"/>
+          </a:xfrm>
+          <a:prstGeom prst="straightConnector1">
+            <a:avLst/>
+          </a:prstGeom>
+          <a:ln>
+            <a:tailEnd type="triangle"/>
+          </a:ln>
+        </p:spPr>
+        <p:style>
+          <a:lnRef idx="1">
+            <a:schemeClr val="accent1"/>
+          </a:lnRef>
+          <a:fillRef idx="0">
+            <a:schemeClr val="accent1"/>
+          </a:fillRef>
+          <a:effectRef idx="0">
+            <a:schemeClr val="accent1"/>
+          </a:effectRef>
+          <a:fontRef idx="minor">
+            <a:schemeClr val="tx1"/>
+          </a:fontRef>
+        </p:style>
+      </p:cxnSp>
+      <p:cxnSp>
+        <p:nvCxnSpPr>
+          <p:cNvPr id="19" name="Straight Arrow Connector 18">
+            <a:extLst>
+              <a:ext uri="{FF2B5EF4-FFF2-40B4-BE49-F238E27FC236}">
+                <a16:creationId xmlns:a16="http://schemas.microsoft.com/office/drawing/2014/main" id="{2220A373-9A83-AA48-BD56-4403B5CBF45C}"/>
+              </a:ext>
+            </a:extLst>
+          </p:cNvPr>
+          <p:cNvCxnSpPr>
+            <a:cxnSpLocks/>
+            <a:stCxn id="6" idx="3"/>
+            <a:endCxn id="7" idx="1"/>
+          </p:cNvCxnSpPr>
+          <p:nvPr/>
+        </p:nvCxnSpPr>
+        <p:spPr>
+          <a:xfrm flipV="1">
+            <a:off x="6548438" y="3487198"/>
+            <a:ext cx="1945481" cy="1291177"/>
+          </a:xfrm>
+          <a:prstGeom prst="straightConnector1">
+            <a:avLst/>
+          </a:prstGeom>
+          <a:ln>
+            <a:tailEnd type="triangle"/>
+          </a:ln>
+        </p:spPr>
+        <p:style>
+          <a:lnRef idx="1">
+            <a:schemeClr val="accent1"/>
+          </a:lnRef>
+          <a:fillRef idx="0">
+            <a:schemeClr val="accent1"/>
+          </a:fillRef>
+          <a:effectRef idx="0">
+            <a:schemeClr val="accent1"/>
+          </a:effectRef>
+          <a:fontRef idx="minor">
+            <a:schemeClr val="tx1"/>
+          </a:fontRef>
+        </p:style>
+      </p:cxnSp>
+    </p:spTree>
+    <p:extLst>
+      <p:ext uri="{BB962C8B-B14F-4D97-AF65-F5344CB8AC3E}">
+        <p14:creationId xmlns:p14="http://schemas.microsoft.com/office/powerpoint/2010/main" val="3721499166"/>
       </p:ext>
     </p:extLst>
   </p:cSld>
